--- a/lecture.pptx
+++ b/lecture.pptx
@@ -46,14 +46,14 @@
       <p:boldItalic r:id="rId29"/>
     </p:embeddedFont>
     <p:embeddedFont>
-      <p:font typeface="Quantico" panose="020B0604020202020204" charset="0"/>
+      <p:font typeface="Source Code Pro" panose="020B0604020202020204" charset="0"/>
       <p:regular r:id="rId30"/>
       <p:bold r:id="rId31"/>
       <p:italic r:id="rId32"/>
       <p:boldItalic r:id="rId33"/>
     </p:embeddedFont>
     <p:embeddedFont>
-      <p:font typeface="Source Code Pro" panose="020B0604020202020204" charset="0"/>
+      <p:font typeface="Quantico" panose="020B0604020202020204" charset="0"/>
       <p:regular r:id="rId34"/>
       <p:bold r:id="rId35"/>
       <p:italic r:id="rId36"/>
@@ -11004,6 +11004,106 @@
           </a:extLst>
         </p:spPr>
       </p:pic>
+      <p:sp>
+        <p:nvSpPr>
+          <p:cNvPr id="2" name="TextBox 1"/>
+          <p:cNvSpPr txBox="1"/>
+          <p:nvPr/>
+        </p:nvSpPr>
+        <p:spPr>
+          <a:xfrm>
+            <a:off x="2964180" y="4639289"/>
+            <a:ext cx="4865204" cy="307777"/>
+          </a:xfrm>
+          <a:prstGeom prst="rect">
+            <a:avLst/>
+          </a:prstGeom>
+          <a:noFill/>
+        </p:spPr>
+        <p:txBody>
+          <a:bodyPr wrap="square" rtlCol="0">
+            <a:spAutoFit/>
+          </a:bodyPr>
+          <a:lstStyle/>
+          <a:p>
+            <a:r>
+              <a:rPr lang="ru-RU" dirty="0" smtClean="0">
+                <a:latin typeface="Source Code Pro" panose="020B0604020202020204" charset="0"/>
+                <a:ea typeface="Source Code Pro" panose="020B0604020202020204" charset="0"/>
+              </a:rPr>
+              <a:t>Статья на </a:t>
+            </a:r>
+            <a:r>
+              <a:rPr lang="ru-RU" dirty="0" err="1" smtClean="0">
+                <a:latin typeface="Source Code Pro" panose="020B0604020202020204" charset="0"/>
+                <a:ea typeface="Source Code Pro" panose="020B0604020202020204" charset="0"/>
+              </a:rPr>
+              <a:t>Хабр</a:t>
+            </a:r>
+            <a:r>
+              <a:rPr lang="ru-RU" dirty="0" smtClean="0">
+                <a:latin typeface="Source Code Pro" panose="020B0604020202020204" charset="0"/>
+                <a:ea typeface="Source Code Pro" panose="020B0604020202020204" charset="0"/>
+              </a:rPr>
+              <a:t> про</a:t>
+            </a:r>
+            <a:r>
+              <a:rPr lang="en-US" dirty="0" smtClean="0">
+                <a:latin typeface="Source Code Pro" panose="020B0604020202020204" charset="0"/>
+                <a:ea typeface="Source Code Pro" panose="020B0604020202020204" charset="0"/>
+              </a:rPr>
+              <a:t> </a:t>
+            </a:r>
+            <a:r>
+              <a:rPr lang="en-US" dirty="0" err="1" smtClean="0">
+                <a:latin typeface="Source Code Pro" panose="020B0604020202020204" charset="0"/>
+                <a:ea typeface="Source Code Pro" panose="020B0604020202020204" charset="0"/>
+              </a:rPr>
+              <a:t>Oauth</a:t>
+            </a:r>
+            <a:r>
+              <a:rPr lang="en-US" dirty="0" smtClean="0">
+                <a:latin typeface="Source Code Pro" panose="020B0604020202020204" charset="0"/>
+                <a:ea typeface="Source Code Pro" panose="020B0604020202020204" charset="0"/>
+              </a:rPr>
+              <a:t> </a:t>
+            </a:r>
+            <a:r>
+              <a:rPr lang="ru-RU" dirty="0" smtClean="0">
+                <a:latin typeface="Source Code Pro" panose="020B0604020202020204" charset="0"/>
+                <a:ea typeface="Source Code Pro" panose="020B0604020202020204" charset="0"/>
+              </a:rPr>
+              <a:t>и </a:t>
+            </a:r>
+            <a:r>
+              <a:rPr lang="en-US" dirty="0" err="1" smtClean="0">
+                <a:latin typeface="Source Code Pro" panose="020B0604020202020204" charset="0"/>
+                <a:ea typeface="Source Code Pro" panose="020B0604020202020204" charset="0"/>
+              </a:rPr>
+              <a:t>OpenID</a:t>
+            </a:r>
+            <a:r>
+              <a:rPr lang="en-US" dirty="0" smtClean="0">
+                <a:latin typeface="Source Code Pro" panose="020B0604020202020204" charset="0"/>
+                <a:ea typeface="Source Code Pro" panose="020B0604020202020204" charset="0"/>
+              </a:rPr>
+              <a:t> Connect </a:t>
+            </a:r>
+            <a:r>
+              <a:rPr lang="en-US" dirty="0" smtClean="0">
+                <a:latin typeface="Source Code Pro" panose="020B0604020202020204" charset="0"/>
+                <a:ea typeface="Source Code Pro" panose="020B0604020202020204" charset="0"/>
+                <a:sym typeface="Wingdings" panose="05000000000000000000" pitchFamily="2" charset="2"/>
+              </a:rPr>
+              <a:t></a:t>
+            </a:r>
+            <a:endParaRPr lang="ru-RU" dirty="0">
+              <a:latin typeface="Source Code Pro" panose="020B0604020202020204" charset="0"/>
+              <a:ea typeface="Source Code Pro" panose="020B0604020202020204" charset="0"/>
+            </a:endParaRPr>
+          </a:p>
+        </p:txBody>
+      </p:sp>
     </p:spTree>
     <p:extLst>
       <p:ext uri="{BB962C8B-B14F-4D97-AF65-F5344CB8AC3E}">
@@ -12389,6 +12489,85 @@
           </a:extLst>
         </p:spPr>
       </p:pic>
+      <p:sp>
+        <p:nvSpPr>
+          <p:cNvPr id="17" name="TextBox 16"/>
+          <p:cNvSpPr txBox="1"/>
+          <p:nvPr/>
+        </p:nvSpPr>
+        <p:spPr>
+          <a:xfrm>
+            <a:off x="4564505" y="4672921"/>
+            <a:ext cx="3120224" cy="307777"/>
+          </a:xfrm>
+          <a:prstGeom prst="rect">
+            <a:avLst/>
+          </a:prstGeom>
+          <a:noFill/>
+        </p:spPr>
+        <p:txBody>
+          <a:bodyPr wrap="square" rtlCol="0">
+            <a:spAutoFit/>
+          </a:bodyPr>
+          <a:lstStyle/>
+          <a:p>
+            <a:r>
+              <a:rPr lang="ru-RU" dirty="0" smtClean="0">
+                <a:latin typeface="Source Code Pro" panose="020B0604020202020204" charset="0"/>
+                <a:ea typeface="Source Code Pro" panose="020B0604020202020204" charset="0"/>
+              </a:rPr>
+              <a:t>Статья на </a:t>
+            </a:r>
+            <a:r>
+              <a:rPr lang="ru-RU" dirty="0" err="1" smtClean="0">
+                <a:latin typeface="Source Code Pro" panose="020B0604020202020204" charset="0"/>
+                <a:ea typeface="Source Code Pro" panose="020B0604020202020204" charset="0"/>
+              </a:rPr>
+              <a:t>Хабр</a:t>
+            </a:r>
+            <a:r>
+              <a:rPr lang="ru-RU" dirty="0" smtClean="0">
+                <a:latin typeface="Source Code Pro" panose="020B0604020202020204" charset="0"/>
+                <a:ea typeface="Source Code Pro" panose="020B0604020202020204" charset="0"/>
+              </a:rPr>
+              <a:t> про</a:t>
+            </a:r>
+            <a:r>
+              <a:rPr lang="en-US" dirty="0" smtClean="0">
+                <a:latin typeface="Source Code Pro" panose="020B0604020202020204" charset="0"/>
+                <a:ea typeface="Source Code Pro" panose="020B0604020202020204" charset="0"/>
+              </a:rPr>
+              <a:t> </a:t>
+            </a:r>
+            <a:r>
+              <a:rPr lang="en-US" dirty="0" err="1" smtClean="0">
+                <a:latin typeface="Source Code Pro" panose="020B0604020202020204" charset="0"/>
+                <a:ea typeface="Source Code Pro" panose="020B0604020202020204" charset="0"/>
+              </a:rPr>
+              <a:t>Oauth</a:t>
+            </a:r>
+            <a:r>
+              <a:rPr lang="en-US" dirty="0" smtClean="0">
+                <a:latin typeface="Source Code Pro" panose="020B0604020202020204" charset="0"/>
+                <a:ea typeface="Source Code Pro" panose="020B0604020202020204" charset="0"/>
+              </a:rPr>
+              <a:t> </a:t>
+            </a:r>
+            <a:r>
+              <a:rPr lang="en-US" dirty="0" smtClean="0">
+                <a:latin typeface="Source Code Pro" panose="020B0604020202020204" charset="0"/>
+                <a:ea typeface="Source Code Pro" panose="020B0604020202020204" charset="0"/>
+                <a:sym typeface="Wingdings" panose="05000000000000000000" pitchFamily="2" charset="2"/>
+              </a:rPr>
+              <a:t></a:t>
+            </a:r>
+            <a:endParaRPr lang="ru-RU" dirty="0">
+              <a:latin typeface="Source Code Pro" panose="020B0604020202020204" charset="0"/>
+              <a:ea typeface="Source Code Pro" panose="020B0604020202020204" charset="0"/>
+            </a:endParaRPr>
+          </a:p>
+        </p:txBody>
+      </p:sp>
     </p:spTree>
     <p:extLst>
       <p:ext uri="{BB962C8B-B14F-4D97-AF65-F5344CB8AC3E}">
@@ -12949,6 +13128,85 @@
           </a:extLst>
         </p:spPr>
       </p:pic>
+      <p:sp>
+        <p:nvSpPr>
+          <p:cNvPr id="14" name="TextBox 13"/>
+          <p:cNvSpPr txBox="1"/>
+          <p:nvPr/>
+        </p:nvSpPr>
+        <p:spPr>
+          <a:xfrm>
+            <a:off x="3680460" y="4672921"/>
+            <a:ext cx="4004269" cy="307777"/>
+          </a:xfrm>
+          <a:prstGeom prst="rect">
+            <a:avLst/>
+          </a:prstGeom>
+          <a:noFill/>
+        </p:spPr>
+        <p:txBody>
+          <a:bodyPr wrap="square" rtlCol="0">
+            <a:spAutoFit/>
+          </a:bodyPr>
+          <a:lstStyle/>
+          <a:p>
+            <a:r>
+              <a:rPr lang="ru-RU" dirty="0" smtClean="0">
+                <a:latin typeface="Source Code Pro" panose="020B0604020202020204" charset="0"/>
+                <a:ea typeface="Source Code Pro" panose="020B0604020202020204" charset="0"/>
+              </a:rPr>
+              <a:t>Статья на </a:t>
+            </a:r>
+            <a:r>
+              <a:rPr lang="en-US" dirty="0" err="1" smtClean="0">
+                <a:latin typeface="Source Code Pro" panose="020B0604020202020204" charset="0"/>
+                <a:ea typeface="Source Code Pro" panose="020B0604020202020204" charset="0"/>
+              </a:rPr>
+              <a:t>DigitalOcean</a:t>
+            </a:r>
+            <a:r>
+              <a:rPr lang="ru-RU" dirty="0" smtClean="0">
+                <a:latin typeface="Source Code Pro" panose="020B0604020202020204" charset="0"/>
+                <a:ea typeface="Source Code Pro" panose="020B0604020202020204" charset="0"/>
+              </a:rPr>
+              <a:t> про</a:t>
+            </a:r>
+            <a:r>
+              <a:rPr lang="en-US" dirty="0" smtClean="0">
+                <a:latin typeface="Source Code Pro" panose="020B0604020202020204" charset="0"/>
+                <a:ea typeface="Source Code Pro" panose="020B0604020202020204" charset="0"/>
+              </a:rPr>
+              <a:t> </a:t>
+            </a:r>
+            <a:r>
+              <a:rPr lang="en-US" dirty="0" err="1" smtClean="0">
+                <a:latin typeface="Source Code Pro" panose="020B0604020202020204" charset="0"/>
+                <a:ea typeface="Source Code Pro" panose="020B0604020202020204" charset="0"/>
+              </a:rPr>
+              <a:t>Oauth</a:t>
+            </a:r>
+            <a:r>
+              <a:rPr lang="en-US" dirty="0" smtClean="0">
+                <a:latin typeface="Source Code Pro" panose="020B0604020202020204" charset="0"/>
+                <a:ea typeface="Source Code Pro" panose="020B0604020202020204" charset="0"/>
+              </a:rPr>
+              <a:t> </a:t>
+            </a:r>
+            <a:r>
+              <a:rPr lang="en-US" dirty="0" smtClean="0">
+                <a:latin typeface="Source Code Pro" panose="020B0604020202020204" charset="0"/>
+                <a:ea typeface="Source Code Pro" panose="020B0604020202020204" charset="0"/>
+                <a:sym typeface="Wingdings" panose="05000000000000000000" pitchFamily="2" charset="2"/>
+              </a:rPr>
+              <a:t></a:t>
+            </a:r>
+            <a:endParaRPr lang="ru-RU" dirty="0">
+              <a:latin typeface="Source Code Pro" panose="020B0604020202020204" charset="0"/>
+              <a:ea typeface="Source Code Pro" panose="020B0604020202020204" charset="0"/>
+            </a:endParaRPr>
+          </a:p>
+        </p:txBody>
+      </p:sp>
     </p:spTree>
     <p:extLst>
       <p:ext uri="{BB962C8B-B14F-4D97-AF65-F5344CB8AC3E}">
@@ -13612,6 +13870,64 @@
           </a:prstGeom>
         </p:spPr>
       </p:pic>
+      <p:sp>
+        <p:nvSpPr>
+          <p:cNvPr id="19" name="TextBox 18"/>
+          <p:cNvSpPr txBox="1"/>
+          <p:nvPr/>
+        </p:nvSpPr>
+        <p:spPr>
+          <a:xfrm>
+            <a:off x="3208020" y="4672921"/>
+            <a:ext cx="4476709" cy="307777"/>
+          </a:xfrm>
+          <a:prstGeom prst="rect">
+            <a:avLst/>
+          </a:prstGeom>
+          <a:noFill/>
+        </p:spPr>
+        <p:txBody>
+          <a:bodyPr wrap="square" rtlCol="0">
+            <a:spAutoFit/>
+          </a:bodyPr>
+          <a:lstStyle/>
+          <a:p>
+            <a:r>
+              <a:rPr lang="ru-RU" dirty="0" smtClean="0">
+                <a:latin typeface="Source Code Pro" panose="020B0604020202020204" charset="0"/>
+                <a:ea typeface="Source Code Pro" panose="020B0604020202020204" charset="0"/>
+              </a:rPr>
+              <a:t>Реализация входа через </a:t>
+            </a:r>
+            <a:r>
+              <a:rPr lang="en-US" dirty="0" smtClean="0">
+                <a:latin typeface="Source Code Pro" panose="020B0604020202020204" charset="0"/>
+                <a:ea typeface="Source Code Pro" panose="020B0604020202020204" charset="0"/>
+              </a:rPr>
+              <a:t>Google </a:t>
+            </a:r>
+            <a:r>
+              <a:rPr lang="ru-RU" dirty="0" smtClean="0">
+                <a:latin typeface="Source Code Pro" panose="020B0604020202020204" charset="0"/>
+                <a:ea typeface="Source Code Pro" panose="020B0604020202020204" charset="0"/>
+              </a:rPr>
+              <a:t>аккаунт </a:t>
+            </a:r>
+            <a:r>
+              <a:rPr lang="en-US" dirty="0" smtClean="0">
+                <a:latin typeface="Source Code Pro" panose="020B0604020202020204" charset="0"/>
+                <a:ea typeface="Source Code Pro" panose="020B0604020202020204" charset="0"/>
+                <a:sym typeface="Wingdings" panose="05000000000000000000" pitchFamily="2" charset="2"/>
+              </a:rPr>
+              <a:t></a:t>
+            </a:r>
+            <a:endParaRPr lang="ru-RU" dirty="0">
+              <a:latin typeface="Source Code Pro" panose="020B0604020202020204" charset="0"/>
+              <a:ea typeface="Source Code Pro" panose="020B0604020202020204" charset="0"/>
+            </a:endParaRPr>
+          </a:p>
+        </p:txBody>
+      </p:sp>
     </p:spTree>
     <p:extLst>
       <p:ext uri="{BB962C8B-B14F-4D97-AF65-F5344CB8AC3E}">
@@ -15633,6 +15949,92 @@
           </a:extLst>
         </p:spPr>
       </p:pic>
+      <p:sp>
+        <p:nvSpPr>
+          <p:cNvPr id="13" name="TextBox 12"/>
+          <p:cNvSpPr txBox="1"/>
+          <p:nvPr/>
+        </p:nvSpPr>
+        <p:spPr>
+          <a:xfrm>
+            <a:off x="4061460" y="4672921"/>
+            <a:ext cx="3623269" cy="307777"/>
+          </a:xfrm>
+          <a:prstGeom prst="rect">
+            <a:avLst/>
+          </a:prstGeom>
+          <a:noFill/>
+        </p:spPr>
+        <p:txBody>
+          <a:bodyPr wrap="square" rtlCol="0">
+            <a:spAutoFit/>
+          </a:bodyPr>
+          <a:lstStyle/>
+          <a:p>
+            <a:r>
+              <a:rPr lang="ru-RU" dirty="0" smtClean="0">
+                <a:latin typeface="Source Code Pro" panose="020B0604020202020204" charset="0"/>
+                <a:ea typeface="Source Code Pro" panose="020B0604020202020204" charset="0"/>
+              </a:rPr>
+              <a:t>Статья на </a:t>
+            </a:r>
+            <a:r>
+              <a:rPr lang="ru-RU" dirty="0" err="1" smtClean="0">
+                <a:latin typeface="Source Code Pro" panose="020B0604020202020204" charset="0"/>
+                <a:ea typeface="Source Code Pro" panose="020B0604020202020204" charset="0"/>
+              </a:rPr>
+              <a:t>Хабр</a:t>
+            </a:r>
+            <a:r>
+              <a:rPr lang="ru-RU" dirty="0" smtClean="0">
+                <a:latin typeface="Source Code Pro" panose="020B0604020202020204" charset="0"/>
+                <a:ea typeface="Source Code Pro" panose="020B0604020202020204" charset="0"/>
+              </a:rPr>
+              <a:t> про</a:t>
+            </a:r>
+            <a:r>
+              <a:rPr lang="en-US" dirty="0" smtClean="0">
+                <a:latin typeface="Source Code Pro" panose="020B0604020202020204" charset="0"/>
+                <a:ea typeface="Source Code Pro" panose="020B0604020202020204" charset="0"/>
+              </a:rPr>
+              <a:t> JWT</a:t>
+            </a:r>
+            <a:r>
+              <a:rPr lang="ru-RU" dirty="0" smtClean="0">
+                <a:latin typeface="Source Code Pro" panose="020B0604020202020204" charset="0"/>
+                <a:ea typeface="Source Code Pro" panose="020B0604020202020204" charset="0"/>
+              </a:rPr>
+              <a:t> </a:t>
+            </a:r>
+            <a:r>
+              <a:rPr lang="ru-RU" dirty="0" err="1" smtClean="0">
+                <a:latin typeface="Source Code Pro" panose="020B0604020202020204" charset="0"/>
+                <a:ea typeface="Source Code Pro" panose="020B0604020202020204" charset="0"/>
+              </a:rPr>
+              <a:t>токены</a:t>
+            </a:r>
+            <a:r>
+              <a:rPr lang="en-US" dirty="0" smtClean="0">
+                <a:latin typeface="Source Code Pro" panose="020B0604020202020204" charset="0"/>
+                <a:ea typeface="Source Code Pro" panose="020B0604020202020204" charset="0"/>
+              </a:rPr>
+              <a:t> </a:t>
+            </a:r>
+            <a:r>
+              <a:rPr lang="en-US" dirty="0" smtClean="0">
+                <a:latin typeface="Source Code Pro" panose="020B0604020202020204" charset="0"/>
+                <a:ea typeface="Source Code Pro" panose="020B0604020202020204" charset="0"/>
+                <a:sym typeface="Wingdings" panose="05000000000000000000" pitchFamily="2" charset="2"/>
+              </a:rPr>
+              <a:t></a:t>
+            </a:r>
+            <a:endParaRPr lang="ru-RU" dirty="0">
+              <a:latin typeface="Source Code Pro" panose="020B0604020202020204" charset="0"/>
+              <a:ea typeface="Source Code Pro" panose="020B0604020202020204" charset="0"/>
+            </a:endParaRPr>
+          </a:p>
+        </p:txBody>
+      </p:sp>
     </p:spTree>
     <p:extLst>
       <p:ext uri="{BB962C8B-B14F-4D97-AF65-F5344CB8AC3E}">
@@ -16422,6 +16824,85 @@
           </a:extLst>
         </p:spPr>
       </p:pic>
+      <p:sp>
+        <p:nvSpPr>
+          <p:cNvPr id="14" name="TextBox 13"/>
+          <p:cNvSpPr txBox="1"/>
+          <p:nvPr/>
+        </p:nvSpPr>
+        <p:spPr>
+          <a:xfrm>
+            <a:off x="1682660" y="4643652"/>
+            <a:ext cx="3803740" cy="307777"/>
+          </a:xfrm>
+          <a:prstGeom prst="rect">
+            <a:avLst/>
+          </a:prstGeom>
+          <a:noFill/>
+        </p:spPr>
+        <p:txBody>
+          <a:bodyPr wrap="square" rtlCol="0">
+            <a:spAutoFit/>
+          </a:bodyPr>
+          <a:lstStyle/>
+          <a:p>
+            <a:r>
+              <a:rPr lang="en-US" dirty="0" smtClean="0">
+                <a:latin typeface="Source Code Pro" panose="020B0604020202020204" charset="0"/>
+                <a:ea typeface="Source Code Pro" panose="020B0604020202020204" charset="0"/>
+                <a:sym typeface="Wingdings" panose="05000000000000000000" pitchFamily="2" charset="2"/>
+              </a:rPr>
+              <a:t></a:t>
+            </a:r>
+            <a:r>
+              <a:rPr lang="ru-RU" dirty="0" smtClean="0">
+                <a:latin typeface="Source Code Pro" panose="020B0604020202020204" charset="0"/>
+                <a:ea typeface="Source Code Pro" panose="020B0604020202020204" charset="0"/>
+              </a:rPr>
+              <a:t> Статья на </a:t>
+            </a:r>
+            <a:r>
+              <a:rPr lang="ru-RU" dirty="0" err="1" smtClean="0">
+                <a:latin typeface="Source Code Pro" panose="020B0604020202020204" charset="0"/>
+                <a:ea typeface="Source Code Pro" panose="020B0604020202020204" charset="0"/>
+              </a:rPr>
+              <a:t>Хабр</a:t>
+            </a:r>
+            <a:r>
+              <a:rPr lang="ru-RU" dirty="0" smtClean="0">
+                <a:latin typeface="Source Code Pro" panose="020B0604020202020204" charset="0"/>
+                <a:ea typeface="Source Code Pro" panose="020B0604020202020204" charset="0"/>
+              </a:rPr>
+              <a:t> про</a:t>
+            </a:r>
+            <a:r>
+              <a:rPr lang="en-US" dirty="0" smtClean="0">
+                <a:latin typeface="Source Code Pro" panose="020B0604020202020204" charset="0"/>
+                <a:ea typeface="Source Code Pro" panose="020B0604020202020204" charset="0"/>
+              </a:rPr>
+              <a:t> RBAC</a:t>
+            </a:r>
+            <a:r>
+              <a:rPr lang="ru-RU" dirty="0" smtClean="0">
+                <a:latin typeface="Source Code Pro" panose="020B0604020202020204" charset="0"/>
+                <a:ea typeface="Source Code Pro" panose="020B0604020202020204" charset="0"/>
+              </a:rPr>
+              <a:t> и </a:t>
+            </a:r>
+            <a:r>
+              <a:rPr lang="en-US" dirty="0" smtClean="0">
+                <a:latin typeface="Source Code Pro" panose="020B0604020202020204" charset="0"/>
+                <a:ea typeface="Source Code Pro" panose="020B0604020202020204" charset="0"/>
+              </a:rPr>
+              <a:t>ABAC</a:t>
+            </a:r>
+            <a:endParaRPr lang="ru-RU" dirty="0">
+              <a:latin typeface="Source Code Pro" panose="020B0604020202020204" charset="0"/>
+              <a:ea typeface="Source Code Pro" panose="020B0604020202020204" charset="0"/>
+            </a:endParaRPr>
+          </a:p>
+        </p:txBody>
+      </p:sp>
     </p:spTree>
     <p:extLst>
       <p:ext uri="{BB962C8B-B14F-4D97-AF65-F5344CB8AC3E}">
@@ -17105,6 +17586,71 @@
           </a:prstGeom>
         </p:spPr>
       </p:pic>
+      <p:sp>
+        <p:nvSpPr>
+          <p:cNvPr id="14" name="TextBox 13"/>
+          <p:cNvSpPr txBox="1"/>
+          <p:nvPr/>
+        </p:nvSpPr>
+        <p:spPr>
+          <a:xfrm>
+            <a:off x="4483196" y="4679486"/>
+            <a:ext cx="3623269" cy="307777"/>
+          </a:xfrm>
+          <a:prstGeom prst="rect">
+            <a:avLst/>
+          </a:prstGeom>
+          <a:noFill/>
+        </p:spPr>
+        <p:txBody>
+          <a:bodyPr wrap="square" rtlCol="0">
+            <a:spAutoFit/>
+          </a:bodyPr>
+          <a:lstStyle/>
+          <a:p>
+            <a:r>
+              <a:rPr lang="ru-RU" dirty="0" smtClean="0">
+                <a:latin typeface="Source Code Pro" panose="020B0604020202020204" charset="0"/>
+                <a:ea typeface="Source Code Pro" panose="020B0604020202020204" charset="0"/>
+              </a:rPr>
+              <a:t>Статья на </a:t>
+            </a:r>
+            <a:r>
+              <a:rPr lang="ru-RU" dirty="0" err="1" smtClean="0">
+                <a:latin typeface="Source Code Pro" panose="020B0604020202020204" charset="0"/>
+                <a:ea typeface="Source Code Pro" panose="020B0604020202020204" charset="0"/>
+              </a:rPr>
+              <a:t>Хабр</a:t>
+            </a:r>
+            <a:r>
+              <a:rPr lang="ru-RU" dirty="0" smtClean="0">
+                <a:latin typeface="Source Code Pro" panose="020B0604020202020204" charset="0"/>
+                <a:ea typeface="Source Code Pro" panose="020B0604020202020204" charset="0"/>
+              </a:rPr>
+              <a:t> про</a:t>
+            </a:r>
+            <a:r>
+              <a:rPr lang="en-US" dirty="0" smtClean="0">
+                <a:latin typeface="Source Code Pro" panose="020B0604020202020204" charset="0"/>
+                <a:ea typeface="Source Code Pro" panose="020B0604020202020204" charset="0"/>
+              </a:rPr>
+              <a:t> XACML </a:t>
+            </a:r>
+            <a:r>
+              <a:rPr lang="en-US" dirty="0" smtClean="0">
+                <a:latin typeface="Source Code Pro" panose="020B0604020202020204" charset="0"/>
+                <a:ea typeface="Source Code Pro" panose="020B0604020202020204" charset="0"/>
+                <a:sym typeface="Wingdings" panose="05000000000000000000" pitchFamily="2" charset="2"/>
+              </a:rPr>
+              <a:t></a:t>
+            </a:r>
+            <a:endParaRPr lang="ru-RU" dirty="0">
+              <a:latin typeface="Source Code Pro" panose="020B0604020202020204" charset="0"/>
+              <a:ea typeface="Source Code Pro" panose="020B0604020202020204" charset="0"/>
+            </a:endParaRPr>
+          </a:p>
+        </p:txBody>
+      </p:sp>
     </p:spTree>
     <p:extLst>
       <p:ext uri="{BB962C8B-B14F-4D97-AF65-F5344CB8AC3E}">
@@ -21386,6 +21932,64 @@
           </a:extLst>
         </p:spPr>
       </p:pic>
+      <p:sp>
+        <p:nvSpPr>
+          <p:cNvPr id="22" name="TextBox 21"/>
+          <p:cNvSpPr txBox="1"/>
+          <p:nvPr/>
+        </p:nvSpPr>
+        <p:spPr>
+          <a:xfrm>
+            <a:off x="4948016" y="4628967"/>
+            <a:ext cx="3623269" cy="307777"/>
+          </a:xfrm>
+          <a:prstGeom prst="rect">
+            <a:avLst/>
+          </a:prstGeom>
+          <a:noFill/>
+        </p:spPr>
+        <p:txBody>
+          <a:bodyPr wrap="square" rtlCol="0">
+            <a:spAutoFit/>
+          </a:bodyPr>
+          <a:lstStyle/>
+          <a:p>
+            <a:r>
+              <a:rPr lang="ru-RU" dirty="0" err="1" smtClean="0">
+                <a:latin typeface="Source Code Pro" panose="020B0604020202020204" charset="0"/>
+                <a:ea typeface="Source Code Pro" panose="020B0604020202020204" charset="0"/>
+              </a:rPr>
+              <a:t>Репозиторий</a:t>
+            </a:r>
+            <a:r>
+              <a:rPr lang="ru-RU" dirty="0" smtClean="0">
+                <a:latin typeface="Source Code Pro" panose="020B0604020202020204" charset="0"/>
+                <a:ea typeface="Source Code Pro" panose="020B0604020202020204" charset="0"/>
+              </a:rPr>
+              <a:t> на </a:t>
+            </a:r>
+            <a:r>
+              <a:rPr lang="en-US" dirty="0" smtClean="0">
+                <a:latin typeface="Source Code Pro" panose="020B0604020202020204" charset="0"/>
+                <a:ea typeface="Source Code Pro" panose="020B0604020202020204" charset="0"/>
+              </a:rPr>
+              <a:t>GitHub </a:t>
+            </a:r>
+            <a:r>
+              <a:rPr lang="en-US" dirty="0" smtClean="0">
+                <a:latin typeface="Source Code Pro" panose="020B0604020202020204" charset="0"/>
+                <a:ea typeface="Source Code Pro" panose="020B0604020202020204" charset="0"/>
+                <a:sym typeface="Wingdings" panose="05000000000000000000" pitchFamily="2" charset="2"/>
+              </a:rPr>
+              <a:t></a:t>
+            </a:r>
+            <a:endParaRPr lang="ru-RU" dirty="0">
+              <a:latin typeface="Source Code Pro" panose="020B0604020202020204" charset="0"/>
+              <a:ea typeface="Source Code Pro" panose="020B0604020202020204" charset="0"/>
+            </a:endParaRPr>
+          </a:p>
+        </p:txBody>
+      </p:sp>
     </p:spTree>
     <p:extLst>
       <p:ext uri="{BB962C8B-B14F-4D97-AF65-F5344CB8AC3E}">
